--- a/Mobile Workflow.pptx
+++ b/Mobile Workflow.pptx
@@ -105,6 +105,11 @@
       </a:defRPr>
     </a:lvl9pPr>
   </p:defaultTextStyle>
+  <p:extLst>
+    <p:ext uri="{EFAFB233-063F-42B5-8137-9DF3F51BA10A}">
+      <p15:sldGuideLst xmlns:p15="http://schemas.microsoft.com/office/powerpoint/2012/main"/>
+    </p:ext>
+  </p:extLst>
 </p:presentation>
 </file>
 
@@ -13092,7 +13097,7 @@
           <a:p>
             <a:fld id="{5553F6BA-7124-405F-9864-53A46298320D}" type="datetimeFigureOut">
               <a:rPr lang="en-US" smtClean="0"/>
-              <a:t>11/16/2016</a:t>
+              <a:t>11/21/2016</a:t>
             </a:fld>
             <a:endParaRPr lang="en-US"/>
           </a:p>
@@ -13412,7 +13417,7 @@
               <a:pPr defTabSz="914367">
                 <a:defRPr/>
               </a:pPr>
-              <a:t>11/16/2016</a:t>
+              <a:t>11/21/2016</a:t>
             </a:fld>
             <a:endParaRPr lang="en-US" sz="1765">
               <a:solidFill>
@@ -15868,10 +15873,10 @@
         </p:nvGrpSpPr>
         <p:grpSpPr>
           <a:xfrm>
-            <a:off x="-919934" y="6858000"/>
-            <a:ext cx="14340659" cy="9542856"/>
-            <a:chOff x="-919934" y="6858000"/>
-            <a:chExt cx="14340659" cy="9542856"/>
+            <a:off x="-919934" y="6489985"/>
+            <a:ext cx="14340659" cy="9910871"/>
+            <a:chOff x="-919934" y="6489985"/>
+            <a:chExt cx="14340659" cy="9910871"/>
           </a:xfrm>
         </p:grpSpPr>
         <p:grpSp>
@@ -15882,10 +15887,10 @@
           </p:nvGrpSpPr>
           <p:grpSpPr>
             <a:xfrm>
-              <a:off x="-919934" y="6858000"/>
-              <a:ext cx="14340659" cy="9542856"/>
-              <a:chOff x="-919934" y="6858000"/>
-              <a:chExt cx="14340659" cy="9542856"/>
+              <a:off x="-919934" y="6489985"/>
+              <a:ext cx="14340659" cy="9910871"/>
+              <a:chOff x="-919934" y="6489985"/>
+              <a:chExt cx="14340659" cy="9910871"/>
             </a:xfrm>
           </p:grpSpPr>
           <p:sp>
@@ -17915,7 +17920,7 @@
                     <a:ea typeface="Segoe UI" pitchFamily="34" charset="0"/>
                     <a:cs typeface="Segoe UI" pitchFamily="34" charset="0"/>
                   </a:rPr>
-                  <a:t>New Menu</a:t>
+                  <a:t>New Meal</a:t>
                 </a:r>
               </a:p>
               <a:p>
@@ -20474,7 +20479,7 @@
                     <a:ea typeface="Segoe UI" pitchFamily="34" charset="0"/>
                     <a:cs typeface="Segoe UI" pitchFamily="34" charset="0"/>
                   </a:rPr>
-                  <a:t>New Item</a:t>
+                  <a:t>New Recipe</a:t>
                 </a:r>
               </a:p>
               <a:p>
@@ -20654,7 +20659,7 @@
             </p:nvSpPr>
             <p:spPr bwMode="auto">
               <a:xfrm>
-                <a:off x="7104867" y="7064818"/>
+                <a:off x="7104867" y="6696803"/>
                 <a:ext cx="1466490" cy="2532354"/>
               </a:xfrm>
               <a:prstGeom prst="rect">
@@ -21300,8 +21305,8 @@
             </p:nvCxnSpPr>
             <p:spPr>
               <a:xfrm rot="5400000" flipH="1" flipV="1">
-                <a:off x="5556176" y="8638914"/>
-                <a:ext cx="1856609" cy="1240773"/>
+                <a:off x="5372168" y="8454906"/>
+                <a:ext cx="2224624" cy="1240773"/>
               </a:xfrm>
               <a:prstGeom prst="bentConnector2">
                 <a:avLst/>
@@ -21616,7 +21621,137 @@
             </p:nvSpPr>
             <p:spPr>
               <a:xfrm>
-                <a:off x="-914400" y="9722860"/>
+                <a:off x="-914400" y="9452017"/>
+                <a:ext cx="1460957" cy="735586"/>
+              </a:xfrm>
+              <a:prstGeom prst="rect">
+                <a:avLst/>
+              </a:prstGeom>
+              <a:noFill/>
+            </p:spPr>
+            <p:txBody>
+              <a:bodyPr wrap="square" lIns="0" tIns="0" rIns="0" bIns="0" rtlCol="0" anchor="b" anchorCtr="0">
+                <a:spAutoFit/>
+              </a:bodyPr>
+              <a:lstStyle/>
+              <a:p>
+                <a:pPr>
+                  <a:lnSpc>
+                    <a:spcPct val="90000"/>
+                  </a:lnSpc>
+                  <a:spcAft>
+                    <a:spcPts val="600"/>
+                  </a:spcAft>
+                </a:pPr>
+                <a:r>
+                  <a:rPr lang="en-US" sz="1400" dirty="0" err="1">
+                    <a:gradFill>
+                      <a:gsLst>
+                        <a:gs pos="2917">
+                          <a:schemeClr val="tx1"/>
+                        </a:gs>
+                        <a:gs pos="30000">
+                          <a:schemeClr val="tx1"/>
+                        </a:gs>
+                      </a:gsLst>
+                      <a:lin ang="5400000" scaled="0"/>
+                    </a:gradFill>
+                  </a:rPr>
+                  <a:t>GetChefs</a:t>
+                </a:r>
+                <a:r>
+                  <a:rPr lang="en-US" sz="1400" dirty="0">
+                    <a:gradFill>
+                      <a:gsLst>
+                        <a:gs pos="2917">
+                          <a:schemeClr val="tx1"/>
+                        </a:gs>
+                        <a:gs pos="30000">
+                          <a:schemeClr val="tx1"/>
+                        </a:gs>
+                      </a:gsLst>
+                      <a:lin ang="5400000" scaled="0"/>
+                    </a:gradFill>
+                  </a:rPr>
+                  <a:t>()</a:t>
+                </a:r>
+              </a:p>
+              <a:p>
+                <a:pPr>
+                  <a:lnSpc>
+                    <a:spcPct val="90000"/>
+                  </a:lnSpc>
+                  <a:spcAft>
+                    <a:spcPts val="600"/>
+                  </a:spcAft>
+                </a:pPr>
+                <a:r>
+                  <a:rPr lang="en-US" sz="1400" dirty="0">
+                    <a:gradFill>
+                      <a:gsLst>
+                        <a:gs pos="2917">
+                          <a:schemeClr val="tx1"/>
+                        </a:gs>
+                        <a:gs pos="30000">
+                          <a:schemeClr val="tx1"/>
+                        </a:gs>
+                      </a:gsLst>
+                      <a:lin ang="5400000" scaled="0"/>
+                    </a:gradFill>
+                  </a:rPr>
+                  <a:t>Login(chef, pass)</a:t>
+                </a:r>
+              </a:p>
+              <a:p>
+                <a:pPr>
+                  <a:lnSpc>
+                    <a:spcPct val="90000"/>
+                  </a:lnSpc>
+                  <a:spcAft>
+                    <a:spcPts val="600"/>
+                  </a:spcAft>
+                </a:pPr>
+                <a:r>
+                  <a:rPr lang="en-US" sz="1400" dirty="0" err="1">
+                    <a:gradFill>
+                      <a:gsLst>
+                        <a:gs pos="2917">
+                          <a:schemeClr val="tx1"/>
+                        </a:gs>
+                        <a:gs pos="30000">
+                          <a:schemeClr val="tx1"/>
+                        </a:gs>
+                      </a:gsLst>
+                      <a:lin ang="5400000" scaled="0"/>
+                    </a:gradFill>
+                  </a:rPr>
+                  <a:t>LoginPage</a:t>
+                </a:r>
+                <a:endParaRPr lang="en-US" sz="1400" dirty="0">
+                  <a:gradFill>
+                    <a:gsLst>
+                      <a:gs pos="2917">
+                        <a:schemeClr val="tx1"/>
+                      </a:gs>
+                      <a:gs pos="30000">
+                        <a:schemeClr val="tx1"/>
+                      </a:gs>
+                    </a:gsLst>
+                    <a:lin ang="5400000" scaled="0"/>
+                  </a:gradFill>
+                </a:endParaRPr>
+              </a:p>
+            </p:txBody>
+          </p:sp>
+          <p:sp>
+            <p:nvSpPr>
+              <p:cNvPr id="162" name="TextBox 161"/>
+              <p:cNvSpPr txBox="1"/>
+              <p:nvPr/>
+            </p:nvSpPr>
+            <p:spPr>
+              <a:xfrm>
+                <a:off x="1176467" y="9722860"/>
                 <a:ext cx="1460957" cy="464743"/>
               </a:xfrm>
               <a:prstGeom prst="rect">
@@ -21652,7 +21787,7 @@
                       <a:lin ang="5400000" scaled="0"/>
                     </a:gradFill>
                   </a:rPr>
-                  <a:t>GetChefs</a:t>
+                  <a:t>GetClients</a:t>
                 </a:r>
                 <a:r>
                   <a:rPr lang="en-US" sz="1400" dirty="0">
@@ -21668,58 +21803,9 @@
                       <a:lin ang="5400000" scaled="0"/>
                     </a:gradFill>
                   </a:rPr>
-                  <a:t>()</a:t>
+                  <a:t>(chef)</a:t>
                 </a:r>
               </a:p>
-              <a:p>
-                <a:pPr>
-                  <a:lnSpc>
-                    <a:spcPct val="90000"/>
-                  </a:lnSpc>
-                  <a:spcAft>
-                    <a:spcPts val="600"/>
-                  </a:spcAft>
-                </a:pPr>
-                <a:r>
-                  <a:rPr lang="en-US" sz="1400" dirty="0">
-                    <a:gradFill>
-                      <a:gsLst>
-                        <a:gs pos="2917">
-                          <a:schemeClr val="tx1"/>
-                        </a:gs>
-                        <a:gs pos="30000">
-                          <a:schemeClr val="tx1"/>
-                        </a:gs>
-                      </a:gsLst>
-                      <a:lin ang="5400000" scaled="0"/>
-                    </a:gradFill>
-                  </a:rPr>
-                  <a:t>Login(chef, pass)</a:t>
-                </a:r>
-              </a:p>
-            </p:txBody>
-          </p:sp>
-          <p:sp>
-            <p:nvSpPr>
-              <p:cNvPr id="162" name="TextBox 161"/>
-              <p:cNvSpPr txBox="1"/>
-              <p:nvPr/>
-            </p:nvSpPr>
-            <p:spPr>
-              <a:xfrm>
-                <a:off x="1176467" y="9993704"/>
-                <a:ext cx="1460957" cy="193899"/>
-              </a:xfrm>
-              <a:prstGeom prst="rect">
-                <a:avLst/>
-              </a:prstGeom>
-              <a:noFill/>
-            </p:spPr>
-            <p:txBody>
-              <a:bodyPr wrap="square" lIns="0" tIns="0" rIns="0" bIns="0" rtlCol="0" anchor="b" anchorCtr="0">
-                <a:spAutoFit/>
-              </a:bodyPr>
-              <a:lstStyle/>
               <a:p>
                 <a:pPr>
                   <a:lnSpc>
@@ -21743,24 +21829,21 @@
                       <a:lin ang="5400000" scaled="0"/>
                     </a:gradFill>
                   </a:rPr>
-                  <a:t>GetClients</a:t>
+                  <a:t>ClientListPage</a:t>
                 </a:r>
-                <a:r>
-                  <a:rPr lang="en-US" sz="1400" dirty="0">
-                    <a:gradFill>
-                      <a:gsLst>
-                        <a:gs pos="2917">
-                          <a:schemeClr val="tx1"/>
-                        </a:gs>
-                        <a:gs pos="30000">
-                          <a:schemeClr val="tx1"/>
-                        </a:gs>
-                      </a:gsLst>
-                      <a:lin ang="5400000" scaled="0"/>
-                    </a:gradFill>
-                  </a:rPr>
-                  <a:t>(chef)</a:t>
-                </a:r>
+                <a:endParaRPr lang="en-US" sz="1400" dirty="0">
+                  <a:gradFill>
+                    <a:gsLst>
+                      <a:gs pos="2917">
+                        <a:schemeClr val="tx1"/>
+                      </a:gs>
+                      <a:gs pos="30000">
+                        <a:schemeClr val="tx1"/>
+                      </a:gs>
+                    </a:gsLst>
+                    <a:lin ang="5400000" scaled="0"/>
+                  </a:gradFill>
+                </a:endParaRPr>
               </a:p>
             </p:txBody>
           </p:sp>
@@ -21772,137 +21855,7 @@
             </p:nvSpPr>
             <p:spPr>
               <a:xfrm>
-                <a:off x="3156018" y="9993704"/>
-                <a:ext cx="1460957" cy="193899"/>
-              </a:xfrm>
-              <a:prstGeom prst="rect">
-                <a:avLst/>
-              </a:prstGeom>
-              <a:noFill/>
-            </p:spPr>
-            <p:txBody>
-              <a:bodyPr wrap="square" lIns="0" tIns="0" rIns="0" bIns="0" rtlCol="0" anchor="b" anchorCtr="0">
-                <a:spAutoFit/>
-              </a:bodyPr>
-              <a:lstStyle/>
-              <a:p>
-                <a:pPr>
-                  <a:lnSpc>
-                    <a:spcPct val="90000"/>
-                  </a:lnSpc>
-                  <a:spcAft>
-                    <a:spcPts val="600"/>
-                  </a:spcAft>
-                </a:pPr>
-                <a:r>
-                  <a:rPr lang="en-US" sz="1400" dirty="0" err="1">
-                    <a:gradFill>
-                      <a:gsLst>
-                        <a:gs pos="2917">
-                          <a:schemeClr val="tx1"/>
-                        </a:gs>
-                        <a:gs pos="30000">
-                          <a:schemeClr val="tx1"/>
-                        </a:gs>
-                      </a:gsLst>
-                      <a:lin ang="5400000" scaled="0"/>
-                    </a:gradFill>
-                  </a:rPr>
-                  <a:t>GetWeeks</a:t>
-                </a:r>
-                <a:r>
-                  <a:rPr lang="en-US" sz="1400" dirty="0">
-                    <a:gradFill>
-                      <a:gsLst>
-                        <a:gs pos="2917">
-                          <a:schemeClr val="tx1"/>
-                        </a:gs>
-                        <a:gs pos="30000">
-                          <a:schemeClr val="tx1"/>
-                        </a:gs>
-                      </a:gsLst>
-                      <a:lin ang="5400000" scaled="0"/>
-                    </a:gradFill>
-                  </a:rPr>
-                  <a:t>(client)</a:t>
-                </a:r>
-              </a:p>
-            </p:txBody>
-          </p:sp>
-          <p:sp>
-            <p:nvSpPr>
-              <p:cNvPr id="164" name="TextBox 163"/>
-              <p:cNvSpPr txBox="1"/>
-              <p:nvPr/>
-            </p:nvSpPr>
-            <p:spPr>
-              <a:xfrm>
-                <a:off x="5139962" y="9993704"/>
-                <a:ext cx="2204267" cy="193899"/>
-              </a:xfrm>
-              <a:prstGeom prst="rect">
-                <a:avLst/>
-              </a:prstGeom>
-              <a:noFill/>
-            </p:spPr>
-            <p:txBody>
-              <a:bodyPr wrap="square" lIns="0" tIns="0" rIns="0" bIns="0" rtlCol="0" anchor="b" anchorCtr="0">
-                <a:spAutoFit/>
-              </a:bodyPr>
-              <a:lstStyle/>
-              <a:p>
-                <a:pPr>
-                  <a:lnSpc>
-                    <a:spcPct val="90000"/>
-                  </a:lnSpc>
-                  <a:spcAft>
-                    <a:spcPts val="600"/>
-                  </a:spcAft>
-                </a:pPr>
-                <a:r>
-                  <a:rPr lang="en-US" sz="1400" dirty="0" err="1">
-                    <a:gradFill>
-                      <a:gsLst>
-                        <a:gs pos="2917">
-                          <a:schemeClr val="tx1"/>
-                        </a:gs>
-                        <a:gs pos="30000">
-                          <a:schemeClr val="tx1"/>
-                        </a:gs>
-                      </a:gsLst>
-                      <a:lin ang="5400000" scaled="0"/>
-                    </a:gradFill>
-                  </a:rPr>
-                  <a:t>GetMeals</a:t>
-                </a:r>
-                <a:r>
-                  <a:rPr lang="en-US" sz="1400" dirty="0">
-                    <a:gradFill>
-                      <a:gsLst>
-                        <a:gs pos="2917">
-                          <a:schemeClr val="tx1"/>
-                        </a:gs>
-                        <a:gs pos="30000">
-                          <a:schemeClr val="tx1"/>
-                        </a:gs>
-                      </a:gsLst>
-                      <a:lin ang="5400000" scaled="0"/>
-                    </a:gradFill>
-                  </a:rPr>
-                  <a:t>(client, week)</a:t>
-                </a:r>
-              </a:p>
-            </p:txBody>
-          </p:sp>
-          <p:sp>
-            <p:nvSpPr>
-              <p:cNvPr id="165" name="TextBox 164"/>
-              <p:cNvSpPr txBox="1"/>
-              <p:nvPr/>
-            </p:nvSpPr>
-            <p:spPr>
-              <a:xfrm>
-                <a:off x="7095593" y="9722860"/>
+                <a:off x="3156018" y="9722860"/>
                 <a:ext cx="1460957" cy="464743"/>
               </a:xfrm>
               <a:prstGeom prst="rect">
@@ -21938,6 +21891,214 @@
                       <a:lin ang="5400000" scaled="0"/>
                     </a:gradFill>
                   </a:rPr>
+                  <a:t>GetWeeks</a:t>
+                </a:r>
+                <a:r>
+                  <a:rPr lang="en-US" sz="1400" dirty="0">
+                    <a:gradFill>
+                      <a:gsLst>
+                        <a:gs pos="2917">
+                          <a:schemeClr val="tx1"/>
+                        </a:gs>
+                        <a:gs pos="30000">
+                          <a:schemeClr val="tx1"/>
+                        </a:gs>
+                      </a:gsLst>
+                      <a:lin ang="5400000" scaled="0"/>
+                    </a:gradFill>
+                  </a:rPr>
+                  <a:t>(client)</a:t>
+                </a:r>
+              </a:p>
+              <a:p>
+                <a:pPr>
+                  <a:lnSpc>
+                    <a:spcPct val="90000"/>
+                  </a:lnSpc>
+                  <a:spcAft>
+                    <a:spcPts val="600"/>
+                  </a:spcAft>
+                </a:pPr>
+                <a:r>
+                  <a:rPr lang="en-US" sz="1400" dirty="0" err="1">
+                    <a:gradFill>
+                      <a:gsLst>
+                        <a:gs pos="2917">
+                          <a:schemeClr val="tx1"/>
+                        </a:gs>
+                        <a:gs pos="30000">
+                          <a:schemeClr val="tx1"/>
+                        </a:gs>
+                      </a:gsLst>
+                      <a:lin ang="5400000" scaled="0"/>
+                    </a:gradFill>
+                  </a:rPr>
+                  <a:t>WeekListPage</a:t>
+                </a:r>
+                <a:endParaRPr lang="en-US" sz="1400" dirty="0">
+                  <a:gradFill>
+                    <a:gsLst>
+                      <a:gs pos="2917">
+                        <a:schemeClr val="tx1"/>
+                      </a:gs>
+                      <a:gs pos="30000">
+                        <a:schemeClr val="tx1"/>
+                      </a:gs>
+                    </a:gsLst>
+                    <a:lin ang="5400000" scaled="0"/>
+                  </a:gradFill>
+                </a:endParaRPr>
+              </a:p>
+            </p:txBody>
+          </p:sp>
+          <p:sp>
+            <p:nvSpPr>
+              <p:cNvPr id="164" name="TextBox 163"/>
+              <p:cNvSpPr txBox="1"/>
+              <p:nvPr/>
+            </p:nvSpPr>
+            <p:spPr>
+              <a:xfrm>
+                <a:off x="5139962" y="9722860"/>
+                <a:ext cx="2204267" cy="464743"/>
+              </a:xfrm>
+              <a:prstGeom prst="rect">
+                <a:avLst/>
+              </a:prstGeom>
+              <a:noFill/>
+            </p:spPr>
+            <p:txBody>
+              <a:bodyPr wrap="square" lIns="0" tIns="0" rIns="0" bIns="0" rtlCol="0" anchor="b" anchorCtr="0">
+                <a:spAutoFit/>
+              </a:bodyPr>
+              <a:lstStyle/>
+              <a:p>
+                <a:pPr>
+                  <a:lnSpc>
+                    <a:spcPct val="90000"/>
+                  </a:lnSpc>
+                  <a:spcAft>
+                    <a:spcPts val="600"/>
+                  </a:spcAft>
+                </a:pPr>
+                <a:r>
+                  <a:rPr lang="en-US" sz="1400" dirty="0" err="1">
+                    <a:gradFill>
+                      <a:gsLst>
+                        <a:gs pos="2917">
+                          <a:schemeClr val="tx1"/>
+                        </a:gs>
+                        <a:gs pos="30000">
+                          <a:schemeClr val="tx1"/>
+                        </a:gs>
+                      </a:gsLst>
+                      <a:lin ang="5400000" scaled="0"/>
+                    </a:gradFill>
+                  </a:rPr>
+                  <a:t>GetMeals</a:t>
+                </a:r>
+                <a:r>
+                  <a:rPr lang="en-US" sz="1400" dirty="0">
+                    <a:gradFill>
+                      <a:gsLst>
+                        <a:gs pos="2917">
+                          <a:schemeClr val="tx1"/>
+                        </a:gs>
+                        <a:gs pos="30000">
+                          <a:schemeClr val="tx1"/>
+                        </a:gs>
+                      </a:gsLst>
+                      <a:lin ang="5400000" scaled="0"/>
+                    </a:gradFill>
+                  </a:rPr>
+                  <a:t>(client, week)</a:t>
+                </a:r>
+              </a:p>
+              <a:p>
+                <a:pPr>
+                  <a:lnSpc>
+                    <a:spcPct val="90000"/>
+                  </a:lnSpc>
+                  <a:spcAft>
+                    <a:spcPts val="600"/>
+                  </a:spcAft>
+                </a:pPr>
+                <a:r>
+                  <a:rPr lang="en-US" sz="1400" dirty="0" err="1">
+                    <a:gradFill>
+                      <a:gsLst>
+                        <a:gs pos="2917">
+                          <a:schemeClr val="tx1"/>
+                        </a:gs>
+                        <a:gs pos="30000">
+                          <a:schemeClr val="tx1"/>
+                        </a:gs>
+                      </a:gsLst>
+                      <a:lin ang="5400000" scaled="0"/>
+                    </a:gradFill>
+                  </a:rPr>
+                  <a:t>MealListPage</a:t>
+                </a:r>
+                <a:endParaRPr lang="en-US" sz="1400" dirty="0">
+                  <a:gradFill>
+                    <a:gsLst>
+                      <a:gs pos="2917">
+                        <a:schemeClr val="tx1"/>
+                      </a:gs>
+                      <a:gs pos="30000">
+                        <a:schemeClr val="tx1"/>
+                      </a:gs>
+                    </a:gsLst>
+                    <a:lin ang="5400000" scaled="0"/>
+                  </a:gradFill>
+                </a:endParaRPr>
+              </a:p>
+            </p:txBody>
+          </p:sp>
+          <p:sp>
+            <p:nvSpPr>
+              <p:cNvPr id="165" name="TextBox 164"/>
+              <p:cNvSpPr txBox="1"/>
+              <p:nvPr/>
+            </p:nvSpPr>
+            <p:spPr>
+              <a:xfrm>
+                <a:off x="7095593" y="9452017"/>
+                <a:ext cx="1460957" cy="735586"/>
+              </a:xfrm>
+              <a:prstGeom prst="rect">
+                <a:avLst/>
+              </a:prstGeom>
+              <a:noFill/>
+            </p:spPr>
+            <p:txBody>
+              <a:bodyPr wrap="square" lIns="0" tIns="0" rIns="0" bIns="0" rtlCol="0" anchor="b" anchorCtr="0">
+                <a:spAutoFit/>
+              </a:bodyPr>
+              <a:lstStyle/>
+              <a:p>
+                <a:pPr>
+                  <a:lnSpc>
+                    <a:spcPct val="90000"/>
+                  </a:lnSpc>
+                  <a:spcAft>
+                    <a:spcPts val="600"/>
+                  </a:spcAft>
+                </a:pPr>
+                <a:r>
+                  <a:rPr lang="en-US" sz="1400" dirty="0" err="1">
+                    <a:gradFill>
+                      <a:gsLst>
+                        <a:gs pos="2917">
+                          <a:schemeClr val="tx1"/>
+                        </a:gs>
+                        <a:gs pos="30000">
+                          <a:schemeClr val="tx1"/>
+                        </a:gs>
+                      </a:gsLst>
+                      <a:lin ang="5400000" scaled="0"/>
+                    </a:gradFill>
+                  </a:rPr>
                   <a:t>GetMeal</a:t>
                 </a:r>
                 <a:r>
@@ -21980,7 +22141,7 @@
                       <a:lin ang="5400000" scaled="0"/>
                     </a:gradFill>
                   </a:rPr>
-                  <a:t>GetMealTypes</a:t>
+                  <a:t>MenuTypes</a:t>
                 </a:r>
                 <a:r>
                   <a:rPr lang="en-US" sz="1400" dirty="0">
@@ -21998,6 +22159,45 @@
                   </a:rPr>
                   <a:t>()</a:t>
                 </a:r>
+              </a:p>
+              <a:p>
+                <a:pPr>
+                  <a:lnSpc>
+                    <a:spcPct val="90000"/>
+                  </a:lnSpc>
+                  <a:spcAft>
+                    <a:spcPts val="600"/>
+                  </a:spcAft>
+                </a:pPr>
+                <a:r>
+                  <a:rPr lang="en-US" sz="1400" dirty="0" err="1">
+                    <a:gradFill>
+                      <a:gsLst>
+                        <a:gs pos="2917">
+                          <a:schemeClr val="tx1"/>
+                        </a:gs>
+                        <a:gs pos="30000">
+                          <a:schemeClr val="tx1"/>
+                        </a:gs>
+                      </a:gsLst>
+                      <a:lin ang="5400000" scaled="0"/>
+                    </a:gradFill>
+                  </a:rPr>
+                  <a:t>MealPage</a:t>
+                </a:r>
+                <a:endParaRPr lang="en-US" sz="1400" dirty="0">
+                  <a:gradFill>
+                    <a:gsLst>
+                      <a:gs pos="2917">
+                        <a:schemeClr val="tx1"/>
+                      </a:gs>
+                      <a:gs pos="30000">
+                        <a:schemeClr val="tx1"/>
+                      </a:gs>
+                    </a:gsLst>
+                    <a:lin ang="5400000" scaled="0"/>
+                  </a:gradFill>
+                </a:endParaRPr>
               </a:p>
             </p:txBody>
           </p:sp>
@@ -22009,7 +22209,406 @@
             </p:nvSpPr>
             <p:spPr>
               <a:xfrm>
-                <a:off x="9085226" y="9722860"/>
+                <a:off x="9085226" y="9452017"/>
+                <a:ext cx="1460957" cy="735586"/>
+              </a:xfrm>
+              <a:prstGeom prst="rect">
+                <a:avLst/>
+              </a:prstGeom>
+              <a:noFill/>
+            </p:spPr>
+            <p:txBody>
+              <a:bodyPr wrap="square" lIns="0" tIns="0" rIns="0" bIns="0" rtlCol="0" anchor="b" anchorCtr="0">
+                <a:spAutoFit/>
+              </a:bodyPr>
+              <a:lstStyle/>
+              <a:p>
+                <a:pPr>
+                  <a:lnSpc>
+                    <a:spcPct val="90000"/>
+                  </a:lnSpc>
+                  <a:spcAft>
+                    <a:spcPts val="600"/>
+                  </a:spcAft>
+                </a:pPr>
+                <a:r>
+                  <a:rPr lang="en-US" sz="1400" dirty="0" err="1">
+                    <a:gradFill>
+                      <a:gsLst>
+                        <a:gs pos="2917">
+                          <a:schemeClr val="tx1"/>
+                        </a:gs>
+                        <a:gs pos="30000">
+                          <a:schemeClr val="tx1"/>
+                        </a:gs>
+                      </a:gsLst>
+                      <a:lin ang="5400000" scaled="0"/>
+                    </a:gradFill>
+                  </a:rPr>
+                  <a:t>GetItem</a:t>
+                </a:r>
+                <a:r>
+                  <a:rPr lang="en-US" sz="1400" dirty="0">
+                    <a:gradFill>
+                      <a:gsLst>
+                        <a:gs pos="2917">
+                          <a:schemeClr val="tx1"/>
+                        </a:gs>
+                        <a:gs pos="30000">
+                          <a:schemeClr val="tx1"/>
+                        </a:gs>
+                      </a:gsLst>
+                      <a:lin ang="5400000" scaled="0"/>
+                    </a:gradFill>
+                  </a:rPr>
+                  <a:t>(id)</a:t>
+                </a:r>
+              </a:p>
+              <a:p>
+                <a:pPr>
+                  <a:lnSpc>
+                    <a:spcPct val="90000"/>
+                  </a:lnSpc>
+                  <a:spcAft>
+                    <a:spcPts val="600"/>
+                  </a:spcAft>
+                </a:pPr>
+                <a:r>
+                  <a:rPr lang="en-US" sz="1400" dirty="0" err="1">
+                    <a:gradFill>
+                      <a:gsLst>
+                        <a:gs pos="2917">
+                          <a:schemeClr val="tx1"/>
+                        </a:gs>
+                        <a:gs pos="30000">
+                          <a:schemeClr val="tx1"/>
+                        </a:gs>
+                      </a:gsLst>
+                      <a:lin ang="5400000" scaled="0"/>
+                    </a:gradFill>
+                  </a:rPr>
+                  <a:t>GetItemTypes</a:t>
+                </a:r>
+                <a:r>
+                  <a:rPr lang="en-US" sz="1400" dirty="0">
+                    <a:gradFill>
+                      <a:gsLst>
+                        <a:gs pos="2917">
+                          <a:schemeClr val="tx1"/>
+                        </a:gs>
+                        <a:gs pos="30000">
+                          <a:schemeClr val="tx1"/>
+                        </a:gs>
+                      </a:gsLst>
+                      <a:lin ang="5400000" scaled="0"/>
+                    </a:gradFill>
+                  </a:rPr>
+                  <a:t>()</a:t>
+                </a:r>
+              </a:p>
+              <a:p>
+                <a:pPr>
+                  <a:lnSpc>
+                    <a:spcPct val="90000"/>
+                  </a:lnSpc>
+                  <a:spcAft>
+                    <a:spcPts val="600"/>
+                  </a:spcAft>
+                </a:pPr>
+                <a:r>
+                  <a:rPr lang="en-US" sz="1400" dirty="0" err="1">
+                    <a:gradFill>
+                      <a:gsLst>
+                        <a:gs pos="2917">
+                          <a:schemeClr val="tx1"/>
+                        </a:gs>
+                        <a:gs pos="30000">
+                          <a:schemeClr val="tx1"/>
+                        </a:gs>
+                      </a:gsLst>
+                      <a:lin ang="5400000" scaled="0"/>
+                    </a:gradFill>
+                  </a:rPr>
+                  <a:t>RecipePage</a:t>
+                </a:r>
+                <a:endParaRPr lang="en-US" sz="1400" dirty="0">
+                  <a:gradFill>
+                    <a:gsLst>
+                      <a:gs pos="2917">
+                        <a:schemeClr val="tx1"/>
+                      </a:gs>
+                      <a:gs pos="30000">
+                        <a:schemeClr val="tx1"/>
+                      </a:gs>
+                    </a:gsLst>
+                    <a:lin ang="5400000" scaled="0"/>
+                  </a:gradFill>
+                </a:endParaRPr>
+              </a:p>
+            </p:txBody>
+          </p:sp>
+          <p:sp>
+            <p:nvSpPr>
+              <p:cNvPr id="167" name="TextBox 166"/>
+              <p:cNvSpPr txBox="1"/>
+              <p:nvPr/>
+            </p:nvSpPr>
+            <p:spPr>
+              <a:xfrm>
+                <a:off x="7095593" y="6489985"/>
+                <a:ext cx="2829457" cy="193899"/>
+              </a:xfrm>
+              <a:prstGeom prst="rect">
+                <a:avLst/>
+              </a:prstGeom>
+              <a:noFill/>
+            </p:spPr>
+            <p:txBody>
+              <a:bodyPr wrap="square" lIns="0" tIns="0" rIns="0" bIns="0" rtlCol="0" anchor="b" anchorCtr="0">
+                <a:spAutoFit/>
+              </a:bodyPr>
+              <a:lstStyle/>
+              <a:p>
+                <a:pPr>
+                  <a:lnSpc>
+                    <a:spcPct val="90000"/>
+                  </a:lnSpc>
+                  <a:spcAft>
+                    <a:spcPts val="600"/>
+                  </a:spcAft>
+                </a:pPr>
+                <a:r>
+                  <a:rPr lang="en-US" sz="1400" dirty="0" err="1">
+                    <a:gradFill>
+                      <a:gsLst>
+                        <a:gs pos="2917">
+                          <a:schemeClr val="tx1"/>
+                        </a:gs>
+                        <a:gs pos="30000">
+                          <a:schemeClr val="tx1"/>
+                        </a:gs>
+                      </a:gsLst>
+                      <a:lin ang="5400000" scaled="0"/>
+                    </a:gradFill>
+                  </a:rPr>
+                  <a:t>GetShopping</a:t>
+                </a:r>
+                <a:r>
+                  <a:rPr lang="en-US" sz="1400" dirty="0">
+                    <a:gradFill>
+                      <a:gsLst>
+                        <a:gs pos="2917">
+                          <a:schemeClr val="tx1"/>
+                        </a:gs>
+                        <a:gs pos="30000">
+                          <a:schemeClr val="tx1"/>
+                        </a:gs>
+                      </a:gsLst>
+                      <a:lin ang="5400000" scaled="0"/>
+                    </a:gradFill>
+                  </a:rPr>
+                  <a:t>(client, week)</a:t>
+                </a:r>
+              </a:p>
+            </p:txBody>
+          </p:sp>
+          <p:sp>
+            <p:nvSpPr>
+              <p:cNvPr id="168" name="TextBox 167"/>
+              <p:cNvSpPr txBox="1"/>
+              <p:nvPr/>
+            </p:nvSpPr>
+            <p:spPr>
+              <a:xfrm>
+                <a:off x="11046547" y="9181174"/>
+                <a:ext cx="2374178" cy="1006429"/>
+              </a:xfrm>
+              <a:prstGeom prst="rect">
+                <a:avLst/>
+              </a:prstGeom>
+              <a:noFill/>
+            </p:spPr>
+            <p:txBody>
+              <a:bodyPr wrap="square" lIns="0" tIns="0" rIns="0" bIns="0" rtlCol="0" anchor="b" anchorCtr="0">
+                <a:spAutoFit/>
+              </a:bodyPr>
+              <a:lstStyle/>
+              <a:p>
+                <a:pPr>
+                  <a:lnSpc>
+                    <a:spcPct val="90000"/>
+                  </a:lnSpc>
+                  <a:spcAft>
+                    <a:spcPts val="600"/>
+                  </a:spcAft>
+                </a:pPr>
+                <a:r>
+                  <a:rPr lang="en-US" sz="1400" dirty="0" err="1">
+                    <a:gradFill>
+                      <a:gsLst>
+                        <a:gs pos="2917">
+                          <a:schemeClr val="tx1"/>
+                        </a:gs>
+                        <a:gs pos="30000">
+                          <a:schemeClr val="tx1"/>
+                        </a:gs>
+                      </a:gsLst>
+                      <a:lin ang="5400000" scaled="0"/>
+                    </a:gradFill>
+                  </a:rPr>
+                  <a:t>GetIngredient</a:t>
+                </a:r>
+                <a:r>
+                  <a:rPr lang="en-US" sz="1400" dirty="0">
+                    <a:gradFill>
+                      <a:gsLst>
+                        <a:gs pos="2917">
+                          <a:schemeClr val="tx1"/>
+                        </a:gs>
+                        <a:gs pos="30000">
+                          <a:schemeClr val="tx1"/>
+                        </a:gs>
+                      </a:gsLst>
+                      <a:lin ang="5400000" scaled="0"/>
+                    </a:gradFill>
+                  </a:rPr>
+                  <a:t>(id)</a:t>
+                </a:r>
+              </a:p>
+              <a:p>
+                <a:pPr>
+                  <a:lnSpc>
+                    <a:spcPct val="90000"/>
+                  </a:lnSpc>
+                  <a:spcAft>
+                    <a:spcPts val="600"/>
+                  </a:spcAft>
+                </a:pPr>
+                <a:r>
+                  <a:rPr lang="en-US" sz="1400" dirty="0" err="1">
+                    <a:gradFill>
+                      <a:gsLst>
+                        <a:gs pos="2917">
+                          <a:schemeClr val="tx1"/>
+                        </a:gs>
+                        <a:gs pos="30000">
+                          <a:schemeClr val="tx1"/>
+                        </a:gs>
+                      </a:gsLst>
+                      <a:lin ang="5400000" scaled="0"/>
+                    </a:gradFill>
+                  </a:rPr>
+                  <a:t>GetUnits</a:t>
+                </a:r>
+                <a:r>
+                  <a:rPr lang="en-US" sz="1400" dirty="0">
+                    <a:gradFill>
+                      <a:gsLst>
+                        <a:gs pos="2917">
+                          <a:schemeClr val="tx1"/>
+                        </a:gs>
+                        <a:gs pos="30000">
+                          <a:schemeClr val="tx1"/>
+                        </a:gs>
+                      </a:gsLst>
+                      <a:lin ang="5400000" scaled="0"/>
+                    </a:gradFill>
+                  </a:rPr>
+                  <a:t>()</a:t>
+                </a:r>
+              </a:p>
+              <a:p>
+                <a:pPr>
+                  <a:lnSpc>
+                    <a:spcPct val="90000"/>
+                  </a:lnSpc>
+                  <a:spcAft>
+                    <a:spcPts val="600"/>
+                  </a:spcAft>
+                </a:pPr>
+                <a:r>
+                  <a:rPr lang="en-US" sz="1400" dirty="0" err="1">
+                    <a:gradFill>
+                      <a:gsLst>
+                        <a:gs pos="2917">
+                          <a:schemeClr val="tx1"/>
+                        </a:gs>
+                        <a:gs pos="30000">
+                          <a:schemeClr val="tx1"/>
+                        </a:gs>
+                      </a:gsLst>
+                      <a:lin ang="5400000" scaled="0"/>
+                    </a:gradFill>
+                  </a:rPr>
+                  <a:t>GetIngredientCategories</a:t>
+                </a:r>
+                <a:r>
+                  <a:rPr lang="en-US" sz="1400" dirty="0">
+                    <a:gradFill>
+                      <a:gsLst>
+                        <a:gs pos="2917">
+                          <a:schemeClr val="tx1"/>
+                        </a:gs>
+                        <a:gs pos="30000">
+                          <a:schemeClr val="tx1"/>
+                        </a:gs>
+                      </a:gsLst>
+                      <a:lin ang="5400000" scaled="0"/>
+                    </a:gradFill>
+                  </a:rPr>
+                  <a:t>()</a:t>
+                </a:r>
+              </a:p>
+              <a:p>
+                <a:pPr>
+                  <a:lnSpc>
+                    <a:spcPct val="90000"/>
+                  </a:lnSpc>
+                  <a:spcAft>
+                    <a:spcPts val="600"/>
+                  </a:spcAft>
+                </a:pPr>
+                <a:r>
+                  <a:rPr lang="en-US" sz="1400" dirty="0" err="1">
+                    <a:gradFill>
+                      <a:gsLst>
+                        <a:gs pos="2917">
+                          <a:schemeClr val="tx1"/>
+                        </a:gs>
+                        <a:gs pos="30000">
+                          <a:schemeClr val="tx1"/>
+                        </a:gs>
+                      </a:gsLst>
+                      <a:lin ang="5400000" scaled="0"/>
+                    </a:gradFill>
+                  </a:rPr>
+                  <a:t>IngredientPage</a:t>
+                </a:r>
+                <a:endParaRPr lang="en-US" sz="1400" dirty="0">
+                  <a:gradFill>
+                    <a:gsLst>
+                      <a:gs pos="2917">
+                        <a:schemeClr val="tx1"/>
+                      </a:gs>
+                      <a:gs pos="30000">
+                        <a:schemeClr val="tx1"/>
+                      </a:gs>
+                    </a:gsLst>
+                    <a:lin ang="5400000" scaled="0"/>
+                  </a:gradFill>
+                </a:endParaRPr>
+              </a:p>
+            </p:txBody>
+          </p:sp>
+          <p:sp>
+            <p:nvSpPr>
+              <p:cNvPr id="206" name="TextBox 205"/>
+              <p:cNvSpPr txBox="1"/>
+              <p:nvPr/>
+            </p:nvSpPr>
+            <p:spPr>
+              <a:xfrm>
+                <a:off x="-914400" y="13534672"/>
                 <a:ext cx="1460957" cy="464743"/>
               </a:xfrm>
               <a:prstGeom prst="rect">
@@ -22045,7 +22644,7 @@
                       <a:lin ang="5400000" scaled="0"/>
                     </a:gradFill>
                   </a:rPr>
-                  <a:t>GetItem</a:t>
+                  <a:t>InsertChef</a:t>
                 </a:r>
                 <a:r>
                   <a:rPr lang="en-US" sz="1400" dirty="0">
@@ -22061,7 +22660,7 @@
                       <a:lin ang="5400000" scaled="0"/>
                     </a:gradFill>
                   </a:rPr>
-                  <a:t>(id)</a:t>
+                  <a:t>(chef)</a:t>
                 </a:r>
               </a:p>
               <a:p>
@@ -22087,37 +22686,34 @@
                       <a:lin ang="5400000" scaled="0"/>
                     </a:gradFill>
                   </a:rPr>
-                  <a:t>GetItemTypes</a:t>
+                  <a:t>NewChefPage</a:t>
                 </a:r>
-                <a:r>
-                  <a:rPr lang="en-US" sz="1400" dirty="0">
-                    <a:gradFill>
-                      <a:gsLst>
-                        <a:gs pos="2917">
-                          <a:schemeClr val="tx1"/>
-                        </a:gs>
-                        <a:gs pos="30000">
-                          <a:schemeClr val="tx1"/>
-                        </a:gs>
-                      </a:gsLst>
-                      <a:lin ang="5400000" scaled="0"/>
-                    </a:gradFill>
-                  </a:rPr>
-                  <a:t>()</a:t>
-                </a:r>
+                <a:endParaRPr lang="en-US" sz="1400" dirty="0">
+                  <a:gradFill>
+                    <a:gsLst>
+                      <a:gs pos="2917">
+                        <a:schemeClr val="tx1"/>
+                      </a:gs>
+                      <a:gs pos="30000">
+                        <a:schemeClr val="tx1"/>
+                      </a:gs>
+                    </a:gsLst>
+                    <a:lin ang="5400000" scaled="0"/>
+                  </a:gradFill>
+                </a:endParaRPr>
               </a:p>
             </p:txBody>
           </p:sp>
           <p:sp>
             <p:nvSpPr>
-              <p:cNvPr id="167" name="TextBox 166"/>
+              <p:cNvPr id="207" name="TextBox 206"/>
               <p:cNvSpPr txBox="1"/>
               <p:nvPr/>
             </p:nvSpPr>
             <p:spPr>
               <a:xfrm>
-                <a:off x="7095593" y="6858000"/>
-                <a:ext cx="2829457" cy="193899"/>
+                <a:off x="1176466" y="12544298"/>
+                <a:ext cx="1460957" cy="387798"/>
               </a:xfrm>
               <a:prstGeom prst="rect">
                 <a:avLst/>
@@ -22152,7 +22748,7 @@
                       <a:lin ang="5400000" scaled="0"/>
                     </a:gradFill>
                   </a:rPr>
-                  <a:t>GetShopping</a:t>
+                  <a:t>InsertClient</a:t>
                 </a:r>
                 <a:r>
                   <a:rPr lang="en-US" sz="1400" dirty="0">
@@ -22168,21 +22764,50 @@
                       <a:lin ang="5400000" scaled="0"/>
                     </a:gradFill>
                   </a:rPr>
-                  <a:t>(client, week)</a:t>
+                  <a:t>(client)</a:t>
                 </a:r>
+                <a:r>
+                  <a:rPr lang="en-US" sz="1400" dirty="0" err="1">
+                    <a:gradFill>
+                      <a:gsLst>
+                        <a:gs pos="2917">
+                          <a:schemeClr val="tx1"/>
+                        </a:gs>
+                        <a:gs pos="30000">
+                          <a:schemeClr val="tx1"/>
+                        </a:gs>
+                      </a:gsLst>
+                      <a:lin ang="5400000" scaled="0"/>
+                    </a:gradFill>
+                  </a:rPr>
+                  <a:t>NewClientPage</a:t>
+                </a:r>
+                <a:endParaRPr lang="en-US" sz="1400" dirty="0">
+                  <a:gradFill>
+                    <a:gsLst>
+                      <a:gs pos="2917">
+                        <a:schemeClr val="tx1"/>
+                      </a:gs>
+                      <a:gs pos="30000">
+                        <a:schemeClr val="tx1"/>
+                      </a:gs>
+                    </a:gsLst>
+                    <a:lin ang="5400000" scaled="0"/>
+                  </a:gradFill>
+                </a:endParaRPr>
               </a:p>
             </p:txBody>
           </p:sp>
           <p:sp>
             <p:nvSpPr>
-              <p:cNvPr id="168" name="TextBox 167"/>
+              <p:cNvPr id="208" name="TextBox 207"/>
               <p:cNvSpPr txBox="1"/>
               <p:nvPr/>
             </p:nvSpPr>
             <p:spPr>
               <a:xfrm>
-                <a:off x="11046547" y="9452017"/>
-                <a:ext cx="2374178" cy="735586"/>
+                <a:off x="3150072" y="12484603"/>
+                <a:ext cx="1977348" cy="464743"/>
               </a:xfrm>
               <a:prstGeom prst="rect">
                 <a:avLst/>
@@ -22217,7 +22842,7 @@
                       <a:lin ang="5400000" scaled="0"/>
                     </a:gradFill>
                   </a:rPr>
-                  <a:t>GetIngredient</a:t>
+                  <a:t>InsertWeek</a:t>
                 </a:r>
                 <a:r>
                   <a:rPr lang="en-US" sz="1400" dirty="0">
@@ -22233,7 +22858,7 @@
                       <a:lin ang="5400000" scaled="0"/>
                     </a:gradFill>
                   </a:rPr>
-                  <a:t>(id)</a:t>
+                  <a:t>(client, week)</a:t>
                 </a:r>
               </a:p>
               <a:p>
@@ -22259,79 +22884,34 @@
                       <a:lin ang="5400000" scaled="0"/>
                     </a:gradFill>
                   </a:rPr>
-                  <a:t>GetUnits</a:t>
+                  <a:t>NewWeekPage</a:t>
                 </a:r>
-                <a:r>
-                  <a:rPr lang="en-US" sz="1400" dirty="0">
-                    <a:gradFill>
-                      <a:gsLst>
-                        <a:gs pos="2917">
-                          <a:schemeClr val="tx1"/>
-                        </a:gs>
-                        <a:gs pos="30000">
-                          <a:schemeClr val="tx1"/>
-                        </a:gs>
-                      </a:gsLst>
-                      <a:lin ang="5400000" scaled="0"/>
-                    </a:gradFill>
-                  </a:rPr>
-                  <a:t>()</a:t>
-                </a:r>
-              </a:p>
-              <a:p>
-                <a:pPr>
-                  <a:lnSpc>
-                    <a:spcPct val="90000"/>
-                  </a:lnSpc>
-                  <a:spcAft>
-                    <a:spcPts val="600"/>
-                  </a:spcAft>
-                </a:pPr>
-                <a:r>
-                  <a:rPr lang="en-US" sz="1400" dirty="0" err="1">
-                    <a:gradFill>
-                      <a:gsLst>
-                        <a:gs pos="2917">
-                          <a:schemeClr val="tx1"/>
-                        </a:gs>
-                        <a:gs pos="30000">
-                          <a:schemeClr val="tx1"/>
-                        </a:gs>
-                      </a:gsLst>
-                      <a:lin ang="5400000" scaled="0"/>
-                    </a:gradFill>
-                  </a:rPr>
-                  <a:t>GetIngredientCategories</a:t>
-                </a:r>
-                <a:r>
-                  <a:rPr lang="en-US" sz="1400" dirty="0">
-                    <a:gradFill>
-                      <a:gsLst>
-                        <a:gs pos="2917">
-                          <a:schemeClr val="tx1"/>
-                        </a:gs>
-                        <a:gs pos="30000">
-                          <a:schemeClr val="tx1"/>
-                        </a:gs>
-                      </a:gsLst>
-                      <a:lin ang="5400000" scaled="0"/>
-                    </a:gradFill>
-                  </a:rPr>
-                  <a:t>()</a:t>
-                </a:r>
+                <a:endParaRPr lang="en-US" sz="1400" dirty="0">
+                  <a:gradFill>
+                    <a:gsLst>
+                      <a:gs pos="2917">
+                        <a:schemeClr val="tx1"/>
+                      </a:gs>
+                      <a:gs pos="30000">
+                        <a:schemeClr val="tx1"/>
+                      </a:gs>
+                    </a:gsLst>
+                    <a:lin ang="5400000" scaled="0"/>
+                  </a:gradFill>
+                </a:endParaRPr>
               </a:p>
             </p:txBody>
           </p:sp>
           <p:sp>
             <p:nvSpPr>
-              <p:cNvPr id="206" name="TextBox 205"/>
+              <p:cNvPr id="209" name="TextBox 208"/>
               <p:cNvSpPr txBox="1"/>
               <p:nvPr/>
             </p:nvSpPr>
             <p:spPr>
               <a:xfrm>
-                <a:off x="-914400" y="13805516"/>
-                <a:ext cx="1460957" cy="193899"/>
+                <a:off x="5139401" y="13261671"/>
+                <a:ext cx="1977348" cy="464743"/>
               </a:xfrm>
               <a:prstGeom prst="rect">
                 <a:avLst/>
@@ -22366,7 +22946,7 @@
                       <a:lin ang="5400000" scaled="0"/>
                     </a:gradFill>
                   </a:rPr>
-                  <a:t>InsertChef</a:t>
+                  <a:t>InsertMenu</a:t>
                 </a:r>
                 <a:r>
                   <a:rPr lang="en-US" sz="1400" dirty="0">
@@ -22382,21 +22962,60 @@
                       <a:lin ang="5400000" scaled="0"/>
                     </a:gradFill>
                   </a:rPr>
-                  <a:t>(chef)</a:t>
+                  <a:t>(menu)</a:t>
                 </a:r>
+              </a:p>
+              <a:p>
+                <a:pPr>
+                  <a:lnSpc>
+                    <a:spcPct val="90000"/>
+                  </a:lnSpc>
+                  <a:spcAft>
+                    <a:spcPts val="600"/>
+                  </a:spcAft>
+                </a:pPr>
+                <a:r>
+                  <a:rPr lang="en-US" sz="1400" dirty="0" err="1">
+                    <a:gradFill>
+                      <a:gsLst>
+                        <a:gs pos="2917">
+                          <a:schemeClr val="tx1"/>
+                        </a:gs>
+                        <a:gs pos="30000">
+                          <a:schemeClr val="tx1"/>
+                        </a:gs>
+                      </a:gsLst>
+                      <a:lin ang="5400000" scaled="0"/>
+                    </a:gradFill>
+                  </a:rPr>
+                  <a:t>NewMealPage</a:t>
+                </a:r>
+                <a:endParaRPr lang="en-US" sz="1400" dirty="0">
+                  <a:gradFill>
+                    <a:gsLst>
+                      <a:gs pos="2917">
+                        <a:schemeClr val="tx1"/>
+                      </a:gs>
+                      <a:gs pos="30000">
+                        <a:schemeClr val="tx1"/>
+                      </a:gs>
+                    </a:gsLst>
+                    <a:lin ang="5400000" scaled="0"/>
+                  </a:gradFill>
+                </a:endParaRPr>
               </a:p>
             </p:txBody>
           </p:sp>
           <p:sp>
             <p:nvSpPr>
-              <p:cNvPr id="207" name="TextBox 206"/>
+              <p:cNvPr id="210" name="TextBox 209"/>
               <p:cNvSpPr txBox="1"/>
               <p:nvPr/>
             </p:nvSpPr>
             <p:spPr>
               <a:xfrm>
-                <a:off x="1176466" y="12738197"/>
-                <a:ext cx="1460957" cy="193899"/>
+                <a:off x="7095593" y="13814024"/>
+                <a:ext cx="1977348" cy="464743"/>
               </a:xfrm>
               <a:prstGeom prst="rect">
                 <a:avLst/>
@@ -22431,7 +23050,7 @@
                       <a:lin ang="5400000" scaled="0"/>
                     </a:gradFill>
                   </a:rPr>
-                  <a:t>InsertClient</a:t>
+                  <a:t>InsertItem</a:t>
                 </a:r>
                 <a:r>
                   <a:rPr lang="en-US" sz="1400" dirty="0">
@@ -22447,32 +23066,9 @@
                       <a:lin ang="5400000" scaled="0"/>
                     </a:gradFill>
                   </a:rPr>
-                  <a:t>(client)</a:t>
+                  <a:t>(menu, item)</a:t>
                 </a:r>
               </a:p>
-            </p:txBody>
-          </p:sp>
-          <p:sp>
-            <p:nvSpPr>
-              <p:cNvPr id="208" name="TextBox 207"/>
-              <p:cNvSpPr txBox="1"/>
-              <p:nvPr/>
-            </p:nvSpPr>
-            <p:spPr>
-              <a:xfrm>
-                <a:off x="3150072" y="12755447"/>
-                <a:ext cx="1977348" cy="193899"/>
-              </a:xfrm>
-              <a:prstGeom prst="rect">
-                <a:avLst/>
-              </a:prstGeom>
-              <a:noFill/>
-            </p:spPr>
-            <p:txBody>
-              <a:bodyPr wrap="square" lIns="0" tIns="0" rIns="0" bIns="0" rtlCol="0" anchor="b" anchorCtr="0">
-                <a:spAutoFit/>
-              </a:bodyPr>
-              <a:lstStyle/>
               <a:p>
                 <a:pPr>
                   <a:lnSpc>
@@ -22496,154 +23092,21 @@
                       <a:lin ang="5400000" scaled="0"/>
                     </a:gradFill>
                   </a:rPr>
-                  <a:t>InsertWeek</a:t>
+                  <a:t>NewRecipePage</a:t>
                 </a:r>
-                <a:r>
-                  <a:rPr lang="en-US" sz="1400" dirty="0">
-                    <a:gradFill>
-                      <a:gsLst>
-                        <a:gs pos="2917">
-                          <a:schemeClr val="tx1"/>
-                        </a:gs>
-                        <a:gs pos="30000">
-                          <a:schemeClr val="tx1"/>
-                        </a:gs>
-                      </a:gsLst>
-                      <a:lin ang="5400000" scaled="0"/>
-                    </a:gradFill>
-                  </a:rPr>
-                  <a:t>(client, week)</a:t>
-                </a:r>
-              </a:p>
-            </p:txBody>
-          </p:sp>
-          <p:sp>
-            <p:nvSpPr>
-              <p:cNvPr id="209" name="TextBox 208"/>
-              <p:cNvSpPr txBox="1"/>
-              <p:nvPr/>
-            </p:nvSpPr>
-            <p:spPr>
-              <a:xfrm>
-                <a:off x="5139401" y="13532515"/>
-                <a:ext cx="1977348" cy="193899"/>
-              </a:xfrm>
-              <a:prstGeom prst="rect">
-                <a:avLst/>
-              </a:prstGeom>
-              <a:noFill/>
-            </p:spPr>
-            <p:txBody>
-              <a:bodyPr wrap="square" lIns="0" tIns="0" rIns="0" bIns="0" rtlCol="0" anchor="b" anchorCtr="0">
-                <a:spAutoFit/>
-              </a:bodyPr>
-              <a:lstStyle/>
-              <a:p>
-                <a:pPr>
-                  <a:lnSpc>
-                    <a:spcPct val="90000"/>
-                  </a:lnSpc>
-                  <a:spcAft>
-                    <a:spcPts val="600"/>
-                  </a:spcAft>
-                </a:pPr>
-                <a:r>
-                  <a:rPr lang="en-US" sz="1400" dirty="0" err="1">
-                    <a:gradFill>
-                      <a:gsLst>
-                        <a:gs pos="2917">
-                          <a:schemeClr val="tx1"/>
-                        </a:gs>
-                        <a:gs pos="30000">
-                          <a:schemeClr val="tx1"/>
-                        </a:gs>
-                      </a:gsLst>
-                      <a:lin ang="5400000" scaled="0"/>
-                    </a:gradFill>
-                  </a:rPr>
-                  <a:t>InsertMenu</a:t>
-                </a:r>
-                <a:r>
-                  <a:rPr lang="en-US" sz="1400" dirty="0">
-                    <a:gradFill>
-                      <a:gsLst>
-                        <a:gs pos="2917">
-                          <a:schemeClr val="tx1"/>
-                        </a:gs>
-                        <a:gs pos="30000">
-                          <a:schemeClr val="tx1"/>
-                        </a:gs>
-                      </a:gsLst>
-                      <a:lin ang="5400000" scaled="0"/>
-                    </a:gradFill>
-                  </a:rPr>
-                  <a:t>(menu)</a:t>
-                </a:r>
-              </a:p>
-            </p:txBody>
-          </p:sp>
-          <p:sp>
-            <p:nvSpPr>
-              <p:cNvPr id="210" name="TextBox 209"/>
-              <p:cNvSpPr txBox="1"/>
-              <p:nvPr/>
-            </p:nvSpPr>
-            <p:spPr>
-              <a:xfrm>
-                <a:off x="7095593" y="14084868"/>
-                <a:ext cx="1977348" cy="193899"/>
-              </a:xfrm>
-              <a:prstGeom prst="rect">
-                <a:avLst/>
-              </a:prstGeom>
-              <a:noFill/>
-            </p:spPr>
-            <p:txBody>
-              <a:bodyPr wrap="square" lIns="0" tIns="0" rIns="0" bIns="0" rtlCol="0" anchor="b" anchorCtr="0">
-                <a:spAutoFit/>
-              </a:bodyPr>
-              <a:lstStyle/>
-              <a:p>
-                <a:pPr>
-                  <a:lnSpc>
-                    <a:spcPct val="90000"/>
-                  </a:lnSpc>
-                  <a:spcAft>
-                    <a:spcPts val="600"/>
-                  </a:spcAft>
-                </a:pPr>
-                <a:r>
-                  <a:rPr lang="en-US" sz="1400" dirty="0" err="1">
-                    <a:gradFill>
-                      <a:gsLst>
-                        <a:gs pos="2917">
-                          <a:schemeClr val="tx1"/>
-                        </a:gs>
-                        <a:gs pos="30000">
-                          <a:schemeClr val="tx1"/>
-                        </a:gs>
-                      </a:gsLst>
-                      <a:lin ang="5400000" scaled="0"/>
-                    </a:gradFill>
-                  </a:rPr>
-                  <a:t>InsertItem</a:t>
-                </a:r>
-                <a:r>
-                  <a:rPr lang="en-US" sz="1400" dirty="0">
-                    <a:gradFill>
-                      <a:gsLst>
-                        <a:gs pos="2917">
-                          <a:schemeClr val="tx1"/>
-                        </a:gs>
-                        <a:gs pos="30000">
-                          <a:schemeClr val="tx1"/>
-                        </a:gs>
-                      </a:gsLst>
-                      <a:lin ang="5400000" scaled="0"/>
-                    </a:gradFill>
-                  </a:rPr>
-                  <a:t>(menu, item)</a:t>
-                </a:r>
+                <a:endParaRPr lang="en-US" sz="1400" dirty="0">
+                  <a:gradFill>
+                    <a:gsLst>
+                      <a:gs pos="2917">
+                        <a:schemeClr val="tx1"/>
+                      </a:gs>
+                      <a:gs pos="30000">
+                        <a:schemeClr val="tx1"/>
+                      </a:gs>
+                    </a:gsLst>
+                    <a:lin ang="5400000" scaled="0"/>
+                  </a:gradFill>
+                </a:endParaRPr>
               </a:p>
             </p:txBody>
           </p:sp>
@@ -22898,8 +23361,8 @@
             </p:nvSpPr>
             <p:spPr>
               <a:xfrm>
-                <a:off x="9102748" y="14084868"/>
-                <a:ext cx="2822331" cy="193899"/>
+                <a:off x="9102748" y="13814024"/>
+                <a:ext cx="2822331" cy="464743"/>
               </a:xfrm>
               <a:prstGeom prst="rect">
                 <a:avLst/>
@@ -22952,6 +23415,45 @@
                   </a:rPr>
                   <a:t>(item, ingredient)</a:t>
                 </a:r>
+              </a:p>
+              <a:p>
+                <a:pPr>
+                  <a:lnSpc>
+                    <a:spcPct val="90000"/>
+                  </a:lnSpc>
+                  <a:spcAft>
+                    <a:spcPts val="600"/>
+                  </a:spcAft>
+                </a:pPr>
+                <a:r>
+                  <a:rPr lang="en-US" sz="1400" dirty="0" err="1">
+                    <a:gradFill>
+                      <a:gsLst>
+                        <a:gs pos="2917">
+                          <a:schemeClr val="tx1"/>
+                        </a:gs>
+                        <a:gs pos="30000">
+                          <a:schemeClr val="tx1"/>
+                        </a:gs>
+                      </a:gsLst>
+                      <a:lin ang="5400000" scaled="0"/>
+                    </a:gradFill>
+                  </a:rPr>
+                  <a:t>NewIngredientPage</a:t>
+                </a:r>
+                <a:endParaRPr lang="en-US" sz="1400" dirty="0">
+                  <a:gradFill>
+                    <a:gsLst>
+                      <a:gs pos="2917">
+                        <a:schemeClr val="tx1"/>
+                      </a:gs>
+                      <a:gs pos="30000">
+                        <a:schemeClr val="tx1"/>
+                      </a:gs>
+                    </a:gsLst>
+                    <a:lin ang="5400000" scaled="0"/>
+                  </a:gradFill>
+                </a:endParaRPr>
               </a:p>
             </p:txBody>
           </p:sp>

--- a/Mobile Workflow.pptx
+++ b/Mobile Workflow.pptx
@@ -19904,7 +19904,7 @@
                     <a:ea typeface="Segoe UI" pitchFamily="34" charset="0"/>
                     <a:cs typeface="Segoe UI" pitchFamily="34" charset="0"/>
                   </a:rPr>
-                  <a:t>Menu Item</a:t>
+                  <a:t>Recipe</a:t>
                 </a:r>
               </a:p>
               <a:p>

--- a/Mobile Workflow.pptx
+++ b/Mobile Workflow.pptx
@@ -1467,25 +1467,25 @@
     </dgm:pt>
   </dgm:ptLst>
   <dgm:cxnLst>
+    <dgm:cxn modelId="{40904616-3754-46D3-ADA9-D87CD9714600}" type="presOf" srcId="{0CF233AF-B9C6-4994-9790-04DFEA2936B2}" destId="{09277FD4-9453-44A7-B686-7D1BCDAD5A94}" srcOrd="1" destOrd="0" presId="urn:microsoft.com/office/officeart/2011/layout/CircleProcess"/>
+    <dgm:cxn modelId="{3F41F1CE-151F-495B-8F63-C328E870F26E}" type="presOf" srcId="{CDAC940F-165D-41EB-A9B3-9F4453AAD31A}" destId="{225BA1B8-C711-4BBB-BC09-1645ED110708}" srcOrd="0" destOrd="0" presId="urn:microsoft.com/office/officeart/2011/layout/CircleProcess"/>
+    <dgm:cxn modelId="{FFA10786-15CF-439E-B3D3-67C75F3FCD28}" srcId="{7CF43739-B2B3-4D1D-832D-D363AEA133BE}" destId="{89F89A14-9AA1-4A89-ACCF-D5F031265DF5}" srcOrd="2" destOrd="0" parTransId="{2D729DD7-F289-4272-843C-14656391D613}" sibTransId="{7D2BBE00-8CEE-47B1-BAED-5DCE0B3B2D54}"/>
+    <dgm:cxn modelId="{EB7BD8EB-A3D0-417E-963F-644014462D8B}" srcId="{7CF43739-B2B3-4D1D-832D-D363AEA133BE}" destId="{0120F766-F8B3-4B1B-8256-21B3396BE1C2}" srcOrd="5" destOrd="0" parTransId="{243DC2AE-C718-44C5-B2D9-BBBE23BFA0B3}" sibTransId="{6CE5E2E4-205B-46E7-A446-E0359CF02797}"/>
+    <dgm:cxn modelId="{BC9CDEC4-2C85-4998-9059-0990D71B6D4A}" type="presOf" srcId="{0120F766-F8B3-4B1B-8256-21B3396BE1C2}" destId="{89C89BD9-23EE-4F37-B556-81E19464F303}" srcOrd="1" destOrd="0" presId="urn:microsoft.com/office/officeart/2011/layout/CircleProcess"/>
+    <dgm:cxn modelId="{EB392914-AEED-4CE3-802C-C90E78CA3024}" type="presOf" srcId="{CDAC940F-165D-41EB-A9B3-9F4453AAD31A}" destId="{00A1DD78-D85E-40B4-BB1C-2AFD4FF3ECE4}" srcOrd="1" destOrd="0" presId="urn:microsoft.com/office/officeart/2011/layout/CircleProcess"/>
+    <dgm:cxn modelId="{7BD71B29-427C-449C-9754-EA8B5AA47A85}" type="presOf" srcId="{0CF233AF-B9C6-4994-9790-04DFEA2936B2}" destId="{815795EA-8F7D-4E42-880C-7528AB8EFA36}" srcOrd="0" destOrd="0" presId="urn:microsoft.com/office/officeart/2011/layout/CircleProcess"/>
+    <dgm:cxn modelId="{8B1B58F9-E6C7-40BA-9F91-D299D79C6375}" srcId="{7CF43739-B2B3-4D1D-832D-D363AEA133BE}" destId="{CDAC940F-165D-41EB-A9B3-9F4453AAD31A}" srcOrd="3" destOrd="0" parTransId="{B3E93005-5324-49BB-9F6E-83DD694B68B8}" sibTransId="{5BFB5430-0CB5-4D9E-AD6F-4F358D7B28CD}"/>
+    <dgm:cxn modelId="{246FE724-2BAA-4E6D-A0C4-941618D71FEE}" type="presOf" srcId="{39BB9A43-EB2C-4CD3-85E6-AB368D4A9C63}" destId="{D40CC011-F0C8-438D-B762-A0B5E8E71FAB}" srcOrd="1" destOrd="0" presId="urn:microsoft.com/office/officeart/2011/layout/CircleProcess"/>
+    <dgm:cxn modelId="{6617FD91-EB3B-4699-B956-C28578E00192}" type="presOf" srcId="{07D8CF9B-3C88-4AB7-ACE9-F5239D1C5D97}" destId="{773E0AAA-F477-46EC-84DF-AB2C9041D656}" srcOrd="0" destOrd="0" presId="urn:microsoft.com/office/officeart/2011/layout/CircleProcess"/>
+    <dgm:cxn modelId="{E9040B1E-A209-4D9F-BC93-CF875C5D60D5}" type="presOf" srcId="{0120F766-F8B3-4B1B-8256-21B3396BE1C2}" destId="{DF809465-1492-4C21-90DB-317AECE877AB}" srcOrd="0" destOrd="0" presId="urn:microsoft.com/office/officeart/2011/layout/CircleProcess"/>
+    <dgm:cxn modelId="{F0599BD9-EED7-40B7-95C7-A74F5E25CD78}" type="presOf" srcId="{89F89A14-9AA1-4A89-ACCF-D5F031265DF5}" destId="{9D6F570C-5DA6-4838-9736-EF75144954C3}" srcOrd="0" destOrd="0" presId="urn:microsoft.com/office/officeart/2011/layout/CircleProcess"/>
+    <dgm:cxn modelId="{B335860B-FC2C-449F-8478-F63C4FB43AD2}" type="presOf" srcId="{7CF43739-B2B3-4D1D-832D-D363AEA133BE}" destId="{39E3B2C1-9DC7-4211-8505-B0992C245A8E}" srcOrd="0" destOrd="0" presId="urn:microsoft.com/office/officeart/2011/layout/CircleProcess"/>
+    <dgm:cxn modelId="{342BA837-8DEE-4128-8962-AD99DA03B582}" type="presOf" srcId="{07D8CF9B-3C88-4AB7-ACE9-F5239D1C5D97}" destId="{3312F19A-9F97-4804-9731-F659116539E0}" srcOrd="1" destOrd="0" presId="urn:microsoft.com/office/officeart/2011/layout/CircleProcess"/>
+    <dgm:cxn modelId="{BE5F6184-F78B-4F87-A8D9-A47C6D82BBF5}" srcId="{7CF43739-B2B3-4D1D-832D-D363AEA133BE}" destId="{0CF233AF-B9C6-4994-9790-04DFEA2936B2}" srcOrd="1" destOrd="0" parTransId="{74981985-5BE1-47B2-B782-8353572C0142}" sibTransId="{B8C3DE2E-C2B0-4D52-9877-8C535A9279AB}"/>
+    <dgm:cxn modelId="{1A17A197-2CA4-4BD1-82BF-5A10E0DAFBB0}" srcId="{7CF43739-B2B3-4D1D-832D-D363AEA133BE}" destId="{07D8CF9B-3C88-4AB7-ACE9-F5239D1C5D97}" srcOrd="4" destOrd="0" parTransId="{B22D6080-FA37-4989-ADA5-A3F651DB048F}" sibTransId="{D7D6F73D-213E-4D4E-8110-C3532F1D8B46}"/>
     <dgm:cxn modelId="{DCCEEB0A-9658-4727-8F61-87FFF4ACBCAA}" type="presOf" srcId="{39BB9A43-EB2C-4CD3-85E6-AB368D4A9C63}" destId="{811BB727-3C80-4822-99E6-C707CF9D8E8F}" srcOrd="0" destOrd="0" presId="urn:microsoft.com/office/officeart/2011/layout/CircleProcess"/>
-    <dgm:cxn modelId="{F0599BD9-EED7-40B7-95C7-A74F5E25CD78}" type="presOf" srcId="{89F89A14-9AA1-4A89-ACCF-D5F031265DF5}" destId="{9D6F570C-5DA6-4838-9736-EF75144954C3}" srcOrd="0" destOrd="0" presId="urn:microsoft.com/office/officeart/2011/layout/CircleProcess"/>
-    <dgm:cxn modelId="{BE5F6184-F78B-4F87-A8D9-A47C6D82BBF5}" srcId="{7CF43739-B2B3-4D1D-832D-D363AEA133BE}" destId="{0CF233AF-B9C6-4994-9790-04DFEA2936B2}" srcOrd="1" destOrd="0" parTransId="{74981985-5BE1-47B2-B782-8353572C0142}" sibTransId="{B8C3DE2E-C2B0-4D52-9877-8C535A9279AB}"/>
-    <dgm:cxn modelId="{6617FD91-EB3B-4699-B956-C28578E00192}" type="presOf" srcId="{07D8CF9B-3C88-4AB7-ACE9-F5239D1C5D97}" destId="{773E0AAA-F477-46EC-84DF-AB2C9041D656}" srcOrd="0" destOrd="0" presId="urn:microsoft.com/office/officeart/2011/layout/CircleProcess"/>
-    <dgm:cxn modelId="{EB392914-AEED-4CE3-802C-C90E78CA3024}" type="presOf" srcId="{CDAC940F-165D-41EB-A9B3-9F4453AAD31A}" destId="{00A1DD78-D85E-40B4-BB1C-2AFD4FF3ECE4}" srcOrd="1" destOrd="0" presId="urn:microsoft.com/office/officeart/2011/layout/CircleProcess"/>
-    <dgm:cxn modelId="{1A17A197-2CA4-4BD1-82BF-5A10E0DAFBB0}" srcId="{7CF43739-B2B3-4D1D-832D-D363AEA133BE}" destId="{07D8CF9B-3C88-4AB7-ACE9-F5239D1C5D97}" srcOrd="4" destOrd="0" parTransId="{B22D6080-FA37-4989-ADA5-A3F651DB048F}" sibTransId="{D7D6F73D-213E-4D4E-8110-C3532F1D8B46}"/>
-    <dgm:cxn modelId="{40904616-3754-46D3-ADA9-D87CD9714600}" type="presOf" srcId="{0CF233AF-B9C6-4994-9790-04DFEA2936B2}" destId="{09277FD4-9453-44A7-B686-7D1BCDAD5A94}" srcOrd="1" destOrd="0" presId="urn:microsoft.com/office/officeart/2011/layout/CircleProcess"/>
     <dgm:cxn modelId="{55EA14F7-DCEA-402E-BF8D-A30FF33D4915}" type="presOf" srcId="{89F89A14-9AA1-4A89-ACCF-D5F031265DF5}" destId="{76C8128C-123A-4EA7-BE39-AC9BDAFAC32C}" srcOrd="1" destOrd="0" presId="urn:microsoft.com/office/officeart/2011/layout/CircleProcess"/>
-    <dgm:cxn modelId="{BC9CDEC4-2C85-4998-9059-0990D71B6D4A}" type="presOf" srcId="{0120F766-F8B3-4B1B-8256-21B3396BE1C2}" destId="{89C89BD9-23EE-4F37-B556-81E19464F303}" srcOrd="1" destOrd="0" presId="urn:microsoft.com/office/officeart/2011/layout/CircleProcess"/>
-    <dgm:cxn modelId="{246FE724-2BAA-4E6D-A0C4-941618D71FEE}" type="presOf" srcId="{39BB9A43-EB2C-4CD3-85E6-AB368D4A9C63}" destId="{D40CC011-F0C8-438D-B762-A0B5E8E71FAB}" srcOrd="1" destOrd="0" presId="urn:microsoft.com/office/officeart/2011/layout/CircleProcess"/>
     <dgm:cxn modelId="{CB13744A-1F14-42BB-A344-3011268AFD93}" srcId="{7CF43739-B2B3-4D1D-832D-D363AEA133BE}" destId="{39BB9A43-EB2C-4CD3-85E6-AB368D4A9C63}" srcOrd="0" destOrd="0" parTransId="{75C1E7AA-C089-4DF6-9E21-E2DFD017C2E4}" sibTransId="{FEB05EF6-36CA-4371-ADCC-B91A14043EA0}"/>
-    <dgm:cxn modelId="{342BA837-8DEE-4128-8962-AD99DA03B582}" type="presOf" srcId="{07D8CF9B-3C88-4AB7-ACE9-F5239D1C5D97}" destId="{3312F19A-9F97-4804-9731-F659116539E0}" srcOrd="1" destOrd="0" presId="urn:microsoft.com/office/officeart/2011/layout/CircleProcess"/>
-    <dgm:cxn modelId="{B335860B-FC2C-449F-8478-F63C4FB43AD2}" type="presOf" srcId="{7CF43739-B2B3-4D1D-832D-D363AEA133BE}" destId="{39E3B2C1-9DC7-4211-8505-B0992C245A8E}" srcOrd="0" destOrd="0" presId="urn:microsoft.com/office/officeart/2011/layout/CircleProcess"/>
-    <dgm:cxn modelId="{EB7BD8EB-A3D0-417E-963F-644014462D8B}" srcId="{7CF43739-B2B3-4D1D-832D-D363AEA133BE}" destId="{0120F766-F8B3-4B1B-8256-21B3396BE1C2}" srcOrd="5" destOrd="0" parTransId="{243DC2AE-C718-44C5-B2D9-BBBE23BFA0B3}" sibTransId="{6CE5E2E4-205B-46E7-A446-E0359CF02797}"/>
-    <dgm:cxn modelId="{3F41F1CE-151F-495B-8F63-C328E870F26E}" type="presOf" srcId="{CDAC940F-165D-41EB-A9B3-9F4453AAD31A}" destId="{225BA1B8-C711-4BBB-BC09-1645ED110708}" srcOrd="0" destOrd="0" presId="urn:microsoft.com/office/officeart/2011/layout/CircleProcess"/>
-    <dgm:cxn modelId="{8B1B58F9-E6C7-40BA-9F91-D299D79C6375}" srcId="{7CF43739-B2B3-4D1D-832D-D363AEA133BE}" destId="{CDAC940F-165D-41EB-A9B3-9F4453AAD31A}" srcOrd="3" destOrd="0" parTransId="{B3E93005-5324-49BB-9F6E-83DD694B68B8}" sibTransId="{5BFB5430-0CB5-4D9E-AD6F-4F358D7B28CD}"/>
-    <dgm:cxn modelId="{E9040B1E-A209-4D9F-BC93-CF875C5D60D5}" type="presOf" srcId="{0120F766-F8B3-4B1B-8256-21B3396BE1C2}" destId="{DF809465-1492-4C21-90DB-317AECE877AB}" srcOrd="0" destOrd="0" presId="urn:microsoft.com/office/officeart/2011/layout/CircleProcess"/>
-    <dgm:cxn modelId="{7BD71B29-427C-449C-9754-EA8B5AA47A85}" type="presOf" srcId="{0CF233AF-B9C6-4994-9790-04DFEA2936B2}" destId="{815795EA-8F7D-4E42-880C-7528AB8EFA36}" srcOrd="0" destOrd="0" presId="urn:microsoft.com/office/officeart/2011/layout/CircleProcess"/>
-    <dgm:cxn modelId="{FFA10786-15CF-439E-B3D3-67C75F3FCD28}" srcId="{7CF43739-B2B3-4D1D-832D-D363AEA133BE}" destId="{89F89A14-9AA1-4A89-ACCF-D5F031265DF5}" srcOrd="2" destOrd="0" parTransId="{2D729DD7-F289-4272-843C-14656391D613}" sibTransId="{7D2BBE00-8CEE-47B1-BAED-5DCE0B3B2D54}"/>
     <dgm:cxn modelId="{9626CA40-0A35-4946-8FB2-7CB4386CCFE0}" type="presParOf" srcId="{39E3B2C1-9DC7-4211-8505-B0992C245A8E}" destId="{CDEE1E78-54A4-44B3-BD3E-2A6415104DF9}" srcOrd="0" destOrd="0" presId="urn:microsoft.com/office/officeart/2011/layout/CircleProcess"/>
     <dgm:cxn modelId="{120B7A9E-8A00-4D6E-A881-8470CE39C2EB}" type="presParOf" srcId="{CDEE1E78-54A4-44B3-BD3E-2A6415104DF9}" destId="{74401E02-5C5C-4BC4-957F-4FDA9C59CD5E}" srcOrd="0" destOrd="0" presId="urn:microsoft.com/office/officeart/2011/layout/CircleProcess"/>
     <dgm:cxn modelId="{0E7B3239-8DB8-4374-AF77-D4FA66F2AE8F}" type="presParOf" srcId="{39E3B2C1-9DC7-4211-8505-B0992C245A8E}" destId="{D8B8B4AD-6297-4986-8CCF-DA1440BFFEB7}" srcOrd="1" destOrd="0" presId="urn:microsoft.com/office/officeart/2011/layout/CircleProcess"/>
@@ -20850,7 +20850,7 @@
           <a:p>
             <a:fld id="{5553F6BA-7124-405F-9864-53A46298320D}" type="datetimeFigureOut">
               <a:rPr lang="en-US" smtClean="0"/>
-              <a:t>11/22/2016</a:t>
+              <a:t>11/28/2016</a:t>
             </a:fld>
             <a:endParaRPr lang="en-US"/>
           </a:p>
@@ -21170,7 +21170,7 @@
               <a:pPr defTabSz="914367">
                 <a:defRPr/>
               </a:pPr>
-              <a:t>11/22/2016</a:t>
+              <a:t>11/28/2016</a:t>
             </a:fld>
             <a:endParaRPr lang="en-US" sz="1765">
               <a:solidFill>
@@ -23692,7 +23692,7 @@
                 <a:ea typeface="Segoe UI" pitchFamily="34" charset="0"/>
                 <a:cs typeface="Segoe UI" pitchFamily="34" charset="0"/>
               </a:rPr>
-              <a:t>Chefs</a:t>
+              <a:t>List Chefs</a:t>
             </a:r>
           </a:p>
           <a:p>
@@ -24211,7 +24211,7 @@
                 <a:ea typeface="Segoe UI" pitchFamily="34" charset="0"/>
                 <a:cs typeface="Segoe UI" pitchFamily="34" charset="0"/>
               </a:rPr>
-              <a:t>Clients</a:t>
+              <a:t>List Clients</a:t>
             </a:r>
           </a:p>
           <a:p>
@@ -24493,7 +24493,7 @@
                 <a:ea typeface="Segoe UI" pitchFamily="34" charset="0"/>
                 <a:cs typeface="Segoe UI" pitchFamily="34" charset="0"/>
               </a:rPr>
-              <a:t>Weeks</a:t>
+              <a:t>List Weeks</a:t>
             </a:r>
           </a:p>
           <a:p>
@@ -24859,7 +24859,7 @@
                 <a:ea typeface="Segoe UI" pitchFamily="34" charset="0"/>
                 <a:cs typeface="Segoe UI" pitchFamily="34" charset="0"/>
               </a:rPr>
-              <a:t>Meals</a:t>
+              <a:t>List Meals</a:t>
             </a:r>
           </a:p>
           <a:p>
@@ -25947,7 +25947,7 @@
                 <a:ea typeface="Segoe UI" pitchFamily="34" charset="0"/>
                 <a:cs typeface="Segoe UI" pitchFamily="34" charset="0"/>
               </a:rPr>
-              <a:t>Meal</a:t>
+              <a:t>List Recipes</a:t>
             </a:r>
           </a:p>
           <a:p>
@@ -27579,7 +27579,7 @@
                 <a:ea typeface="Segoe UI" pitchFamily="34" charset="0"/>
                 <a:cs typeface="Segoe UI" pitchFamily="34" charset="0"/>
               </a:rPr>
-              <a:t>Recipe</a:t>
+              <a:t>List Ingredients</a:t>
             </a:r>
           </a:p>
           <a:p>
